--- a/Битонический коммивояжёр.pptx
+++ b/Битонический коммивояжёр.pptx
@@ -8689,8 +8689,8 @@
           </p:sp>
         </mc:Fallback>
       </mc:AlternateContent>
-      <mc:AlternateContent xmlns:mc="http://schemas.openxmlformats.org/markup-compatibility/2006" xmlns:a14="http://schemas.microsoft.com/office/drawing/2010/main">
-        <mc:Choice Requires="a14">
+      <mc:AlternateContent xmlns:mc="http://schemas.openxmlformats.org/markup-compatibility/2006">
+        <mc:Choice xmlns:a14="http://schemas.microsoft.com/office/drawing/2010/main" Requires="a14">
           <p:sp>
             <p:nvSpPr>
               <p:cNvPr id="6" name="TextBox 5">
@@ -9043,22 +9043,10 @@
                                   </m:r>
                                 </m:sub>
                               </m:sSub>
-                              <m:r>
-                                <a:rPr lang="en-US" sz="2400" b="0" i="1" smtClean="0">
-                                  <a:latin typeface="Cambria Math" panose="02040503050406030204" pitchFamily="18" charset="0"/>
-                                </a:rPr>
-                                <m:t>{</m:t>
-                              </m:r>
-                              <m:r>
-                                <a:rPr lang="en-US" sz="2400" b="0" i="1" smtClean="0">
-                                  <a:latin typeface="Cambria Math" panose="02040503050406030204" pitchFamily="18" charset="0"/>
-                                </a:rPr>
-                                <m:t>𝑏</m:t>
-                              </m:r>
                               <m:d>
                                 <m:dPr>
-                                  <m:begChr m:val="["/>
-                                  <m:endChr m:val="]"/>
+                                  <m:begChr m:val="{"/>
+                                  <m:endChr m:val="}"/>
                                   <m:ctrlPr>
                                     <a:rPr lang="en-US" sz="2400" b="0" i="1" smtClean="0">
                                       <a:latin typeface="Cambria Math" panose="02040503050406030204" pitchFamily="18" charset="0"/>
@@ -9070,102 +9058,121 @@
                                     <a:rPr lang="en-US" sz="2400" b="0" i="1" smtClean="0">
                                       <a:latin typeface="Cambria Math" panose="02040503050406030204" pitchFamily="18" charset="0"/>
                                     </a:rPr>
-                                    <m:t>𝑘</m:t>
+                                    <m:t>𝑏</m:t>
                                   </m:r>
-                                  <m:r>
-                                    <a:rPr lang="en-US" sz="2400" b="0" i="1" smtClean="0">
-                                      <a:latin typeface="Cambria Math" panose="02040503050406030204" pitchFamily="18" charset="0"/>
-                                    </a:rPr>
-                                    <m:t>, </m:t>
-                                  </m:r>
-                                  <m:r>
-                                    <a:rPr lang="en-US" sz="2400" b="0" i="1" smtClean="0">
-                                      <a:latin typeface="Cambria Math" panose="02040503050406030204" pitchFamily="18" charset="0"/>
-                                    </a:rPr>
-                                    <m:t>𝑗</m:t>
-                                  </m:r>
-                                  <m:r>
-                                    <a:rPr lang="en-US" sz="2400" b="0" i="1" smtClean="0">
-                                      <a:latin typeface="Cambria Math" panose="02040503050406030204" pitchFamily="18" charset="0"/>
-                                    </a:rPr>
-                                    <m:t> −1</m:t>
-                                  </m:r>
-                                </m:e>
-                              </m:d>
-                              <m:r>
-                                <a:rPr lang="en-US" sz="2400" b="0" i="1" smtClean="0">
-                                  <a:latin typeface="Cambria Math" panose="02040503050406030204" pitchFamily="18" charset="0"/>
-                                </a:rPr>
-                                <m:t>+</m:t>
-                              </m:r>
-                              <m:d>
-                                <m:dPr>
-                                  <m:begChr m:val="|"/>
-                                  <m:endChr m:val="|"/>
-                                  <m:ctrlPr>
-                                    <a:rPr lang="ru-RU" sz="2400" i="1">
-                                      <a:latin typeface="Cambria Math" panose="02040503050406030204" pitchFamily="18" charset="0"/>
-                                    </a:rPr>
-                                  </m:ctrlPr>
-                                </m:dPr>
-                                <m:e>
-                                  <m:sSub>
-                                    <m:sSubPr>
+                                  <m:d>
+                                    <m:dPr>
+                                      <m:begChr m:val="["/>
+                                      <m:endChr m:val="]"/>
                                       <m:ctrlPr>
-                                        <a:rPr lang="ru-RU" sz="2400" i="1">
+                                        <a:rPr lang="en-US" sz="2400" b="0" i="1" smtClean="0">
                                           <a:latin typeface="Cambria Math" panose="02040503050406030204" pitchFamily="18" charset="0"/>
                                         </a:rPr>
                                       </m:ctrlPr>
-                                    </m:sSubPr>
+                                    </m:dPr>
                                     <m:e>
-                                      <m:r>
-                                        <a:rPr lang="en-US" sz="2400" i="1">
-                                          <a:latin typeface="Cambria Math" panose="02040503050406030204" pitchFamily="18" charset="0"/>
-                                        </a:rPr>
-                                        <m:t>𝑝</m:t>
-                                      </m:r>
-                                    </m:e>
-                                    <m:sub>
                                       <m:r>
                                         <a:rPr lang="en-US" sz="2400" b="0" i="1" smtClean="0">
                                           <a:latin typeface="Cambria Math" panose="02040503050406030204" pitchFamily="18" charset="0"/>
                                         </a:rPr>
                                         <m:t>𝑘</m:t>
                                       </m:r>
-                                    </m:sub>
-                                  </m:sSub>
-                                  <m:sSub>
-                                    <m:sSubPr>
-                                      <m:ctrlPr>
-                                        <a:rPr lang="ru-RU" sz="2400" i="1">
+                                      <m:r>
+                                        <a:rPr lang="en-US" sz="2400" b="0" i="1" smtClean="0">
                                           <a:latin typeface="Cambria Math" panose="02040503050406030204" pitchFamily="18" charset="0"/>
                                         </a:rPr>
-                                      </m:ctrlPr>
-                                    </m:sSubPr>
-                                    <m:e>
-                                      <m:r>
-                                        <a:rPr lang="en-US" sz="2400" i="1">
-                                          <a:latin typeface="Cambria Math" panose="02040503050406030204" pitchFamily="18" charset="0"/>
-                                        </a:rPr>
-                                        <m:t>𝑝</m:t>
+                                        <m:t>, </m:t>
                                       </m:r>
-                                    </m:e>
-                                    <m:sub>
                                       <m:r>
                                         <a:rPr lang="en-US" sz="2400" b="0" i="1" smtClean="0">
                                           <a:latin typeface="Cambria Math" panose="02040503050406030204" pitchFamily="18" charset="0"/>
                                         </a:rPr>
                                         <m:t>𝑗</m:t>
                                       </m:r>
-                                    </m:sub>
-                                  </m:sSub>
+                                      <m:r>
+                                        <a:rPr lang="en-US" sz="2400" b="0" i="1" smtClean="0">
+                                          <a:latin typeface="Cambria Math" panose="02040503050406030204" pitchFamily="18" charset="0"/>
+                                        </a:rPr>
+                                        <m:t> −1</m:t>
+                                      </m:r>
+                                    </m:e>
+                                  </m:d>
+                                  <m:r>
+                                    <a:rPr lang="en-US" sz="2400" b="0" i="1" smtClean="0">
+                                      <a:latin typeface="Cambria Math" panose="02040503050406030204" pitchFamily="18" charset="0"/>
+                                    </a:rPr>
+                                    <m:t>+</m:t>
+                                  </m:r>
+                                  <m:d>
+                                    <m:dPr>
+                                      <m:begChr m:val="|"/>
+                                      <m:endChr m:val="|"/>
+                                      <m:ctrlPr>
+                                        <a:rPr lang="ru-RU" sz="2400" i="1">
+                                          <a:latin typeface="Cambria Math" panose="02040503050406030204" pitchFamily="18" charset="0"/>
+                                        </a:rPr>
+                                      </m:ctrlPr>
+                                    </m:dPr>
+                                    <m:e>
+                                      <m:sSub>
+                                        <m:sSubPr>
+                                          <m:ctrlPr>
+                                            <a:rPr lang="ru-RU" sz="2400" i="1">
+                                              <a:latin typeface="Cambria Math" panose="02040503050406030204" pitchFamily="18" charset="0"/>
+                                            </a:rPr>
+                                          </m:ctrlPr>
+                                        </m:sSubPr>
+                                        <m:e>
+                                          <m:r>
+                                            <a:rPr lang="en-US" sz="2400" i="1">
+                                              <a:latin typeface="Cambria Math" panose="02040503050406030204" pitchFamily="18" charset="0"/>
+                                            </a:rPr>
+                                            <m:t>𝑝</m:t>
+                                          </m:r>
+                                        </m:e>
+                                        <m:sub>
+                                          <m:r>
+                                            <a:rPr lang="en-US" sz="2400" b="0" i="1" smtClean="0">
+                                              <a:latin typeface="Cambria Math" panose="02040503050406030204" pitchFamily="18" charset="0"/>
+                                            </a:rPr>
+                                            <m:t>𝑘</m:t>
+                                          </m:r>
+                                        </m:sub>
+                                      </m:sSub>
+                                      <m:sSub>
+                                        <m:sSubPr>
+                                          <m:ctrlPr>
+                                            <a:rPr lang="ru-RU" sz="2400" i="1">
+                                              <a:latin typeface="Cambria Math" panose="02040503050406030204" pitchFamily="18" charset="0"/>
+                                            </a:rPr>
+                                          </m:ctrlPr>
+                                        </m:sSubPr>
+                                        <m:e>
+                                          <m:r>
+                                            <a:rPr lang="en-US" sz="2400" i="1">
+                                              <a:latin typeface="Cambria Math" panose="02040503050406030204" pitchFamily="18" charset="0"/>
+                                            </a:rPr>
+                                            <m:t>𝑝</m:t>
+                                          </m:r>
+                                        </m:e>
+                                        <m:sub>
+                                          <m:r>
+                                            <a:rPr lang="en-US" sz="2400" b="0" i="1" smtClean="0">
+                                              <a:latin typeface="Cambria Math" panose="02040503050406030204" pitchFamily="18" charset="0"/>
+                                            </a:rPr>
+                                            <m:t>𝑗</m:t>
+                                          </m:r>
+                                        </m:sub>
+                                      </m:sSub>
+                                    </m:e>
+                                  </m:d>
                                 </m:e>
                               </m:d>
                               <m:r>
-                                <a:rPr lang="en-US" sz="2400" b="0" i="1" smtClean="0">
+                                <a:rPr lang="ru-RU" sz="2400" b="0" i="1" smtClean="0">
                                   <a:latin typeface="Cambria Math" panose="02040503050406030204" pitchFamily="18" charset="0"/>
                                 </a:rPr>
-                                <m:t>}</m:t>
+                                <m:t>,</m:t>
                               </m:r>
                             </m:e>
                           </m:eqArr>
@@ -9209,7 +9216,7 @@
             </p:txBody>
           </p:sp>
         </mc:Choice>
-        <mc:Fallback xmlns="">
+        <mc:Fallback>
           <p:sp>
             <p:nvSpPr>
               <p:cNvPr id="6" name="TextBox 5">
@@ -9254,6 +9261,40 @@
           </p:sp>
         </mc:Fallback>
       </mc:AlternateContent>
+      <p:sp>
+        <p:nvSpPr>
+          <p:cNvPr id="2" name="Прямоугольник 1">
+            <a:extLst>
+              <a:ext uri="{FF2B5EF4-FFF2-40B4-BE49-F238E27FC236}">
+                <a16:creationId xmlns:a16="http://schemas.microsoft.com/office/drawing/2014/main" id="{E3C21306-A0CE-4680-BA31-D2B0F5241879}"/>
+              </a:ext>
+            </a:extLst>
+          </p:cNvPr>
+          <p:cNvSpPr/>
+          <p:nvPr/>
+        </p:nvSpPr>
+        <p:spPr>
+          <a:xfrm>
+            <a:off x="8562975" y="6091129"/>
+            <a:ext cx="1215397" cy="523220"/>
+          </a:xfrm>
+          <a:prstGeom prst="rect">
+            <a:avLst/>
+          </a:prstGeom>
+        </p:spPr>
+        <p:txBody>
+          <a:bodyPr wrap="none">
+            <a:spAutoFit/>
+          </a:bodyPr>
+          <a:lstStyle/>
+          <a:p>
+            <a:r>
+              <a:rPr lang="ru-RU" sz="2800" dirty="0"/>
+              <a:t>𝑖 = 𝑗 −1</a:t>
+            </a:r>
+          </a:p>
+        </p:txBody>
+      </p:sp>
     </p:spTree>
     <p:extLst>
       <p:ext uri="{BB962C8B-B14F-4D97-AF65-F5344CB8AC3E}">
@@ -11957,7 +11998,7 @@
         <p:spPr>
           <a:xfrm>
             <a:off x="75412" y="1305318"/>
-            <a:ext cx="11651529" cy="3108543"/>
+            <a:ext cx="11651529" cy="2246769"/>
           </a:xfrm>
           <a:prstGeom prst="rect">
             <a:avLst/>
@@ -12009,7 +12050,7 @@
             </a:pPr>
             <a:r>
               <a:rPr lang="ru-RU" sz="2800" dirty="0"/>
-              <a:t>Генетике (Секвенирование ДНК - это процесс определения последовательности нуклеиновой кислоты - порядка нуклеотидов в ДНК.)</a:t>
+              <a:t>Генетике (Секвенирование ДНК).</a:t>
             </a:r>
           </a:p>
         </p:txBody>
